--- a/doc/organization workflow.pptx
+++ b/doc/organization workflow.pptx
@@ -288,7 +288,7 @@
           <a:p>
             <a:fld id="{A850EC39-4DBA-44D7-B7CE-7F8DCE3276F3}" type="datetimeFigureOut">
               <a:rPr lang="en-US" smtClean="0"/>
-              <a:t>4/4/2013</a:t>
+              <a:t>5/1/2013</a:t>
             </a:fld>
             <a:endParaRPr lang="en-US"/>
           </a:p>
@@ -458,7 +458,7 @@
           <a:p>
             <a:fld id="{A850EC39-4DBA-44D7-B7CE-7F8DCE3276F3}" type="datetimeFigureOut">
               <a:rPr lang="en-US" smtClean="0"/>
-              <a:t>4/4/2013</a:t>
+              <a:t>5/1/2013</a:t>
             </a:fld>
             <a:endParaRPr lang="en-US"/>
           </a:p>
@@ -638,7 +638,7 @@
           <a:p>
             <a:fld id="{A850EC39-4DBA-44D7-B7CE-7F8DCE3276F3}" type="datetimeFigureOut">
               <a:rPr lang="en-US" smtClean="0"/>
-              <a:t>4/4/2013</a:t>
+              <a:t>5/1/2013</a:t>
             </a:fld>
             <a:endParaRPr lang="en-US"/>
           </a:p>
@@ -808,7 +808,7 @@
           <a:p>
             <a:fld id="{A850EC39-4DBA-44D7-B7CE-7F8DCE3276F3}" type="datetimeFigureOut">
               <a:rPr lang="en-US" smtClean="0"/>
-              <a:t>4/4/2013</a:t>
+              <a:t>5/1/2013</a:t>
             </a:fld>
             <a:endParaRPr lang="en-US"/>
           </a:p>
@@ -1054,7 +1054,7 @@
           <a:p>
             <a:fld id="{A850EC39-4DBA-44D7-B7CE-7F8DCE3276F3}" type="datetimeFigureOut">
               <a:rPr lang="en-US" smtClean="0"/>
-              <a:t>4/4/2013</a:t>
+              <a:t>5/1/2013</a:t>
             </a:fld>
             <a:endParaRPr lang="en-US"/>
           </a:p>
@@ -1342,7 +1342,7 @@
           <a:p>
             <a:fld id="{A850EC39-4DBA-44D7-B7CE-7F8DCE3276F3}" type="datetimeFigureOut">
               <a:rPr lang="en-US" smtClean="0"/>
-              <a:t>4/4/2013</a:t>
+              <a:t>5/1/2013</a:t>
             </a:fld>
             <a:endParaRPr lang="en-US"/>
           </a:p>
@@ -1764,7 +1764,7 @@
           <a:p>
             <a:fld id="{A850EC39-4DBA-44D7-B7CE-7F8DCE3276F3}" type="datetimeFigureOut">
               <a:rPr lang="en-US" smtClean="0"/>
-              <a:t>4/4/2013</a:t>
+              <a:t>5/1/2013</a:t>
             </a:fld>
             <a:endParaRPr lang="en-US"/>
           </a:p>
@@ -1882,7 +1882,7 @@
           <a:p>
             <a:fld id="{A850EC39-4DBA-44D7-B7CE-7F8DCE3276F3}" type="datetimeFigureOut">
               <a:rPr lang="en-US" smtClean="0"/>
-              <a:t>4/4/2013</a:t>
+              <a:t>5/1/2013</a:t>
             </a:fld>
             <a:endParaRPr lang="en-US"/>
           </a:p>
@@ -1977,7 +1977,7 @@
           <a:p>
             <a:fld id="{A850EC39-4DBA-44D7-B7CE-7F8DCE3276F3}" type="datetimeFigureOut">
               <a:rPr lang="en-US" smtClean="0"/>
-              <a:t>4/4/2013</a:t>
+              <a:t>5/1/2013</a:t>
             </a:fld>
             <a:endParaRPr lang="en-US"/>
           </a:p>
@@ -2254,7 +2254,7 @@
           <a:p>
             <a:fld id="{A850EC39-4DBA-44D7-B7CE-7F8DCE3276F3}" type="datetimeFigureOut">
               <a:rPr lang="en-US" smtClean="0"/>
-              <a:t>4/4/2013</a:t>
+              <a:t>5/1/2013</a:t>
             </a:fld>
             <a:endParaRPr lang="en-US"/>
           </a:p>
@@ -2507,7 +2507,7 @@
           <a:p>
             <a:fld id="{A850EC39-4DBA-44D7-B7CE-7F8DCE3276F3}" type="datetimeFigureOut">
               <a:rPr lang="en-US" smtClean="0"/>
-              <a:t>4/4/2013</a:t>
+              <a:t>5/1/2013</a:t>
             </a:fld>
             <a:endParaRPr lang="en-US"/>
           </a:p>
@@ -2720,7 +2720,7 @@
           <a:p>
             <a:fld id="{A850EC39-4DBA-44D7-B7CE-7F8DCE3276F3}" type="datetimeFigureOut">
               <a:rPr lang="en-US" smtClean="0"/>
-              <a:t>4/4/2013</a:t>
+              <a:t>5/1/2013</a:t>
             </a:fld>
             <a:endParaRPr lang="en-US"/>
           </a:p>
@@ -3544,7 +3544,7 @@
         <p:spPr>
           <a:xfrm>
             <a:off x="192984" y="710576"/>
-            <a:ext cx="1371600" cy="369332"/>
+            <a:ext cx="1750116" cy="369332"/>
           </a:xfrm>
           <a:prstGeom prst="rect">
             <a:avLst/>
@@ -3634,7 +3634,14 @@
                 <a:latin typeface="Courier New" pitchFamily="49" charset="0"/>
                 <a:cs typeface="Courier New" pitchFamily="49" charset="0"/>
               </a:rPr>
-              <a:t>src</a:t>
+              <a:t>s</a:t>
+            </a:r>
+            <a:r>
+              <a:rPr lang="en-US" dirty="0" err="1" smtClean="0">
+                <a:latin typeface="Courier New" pitchFamily="49" charset="0"/>
+                <a:cs typeface="Courier New" pitchFamily="49" charset="0"/>
+              </a:rPr>
+              <a:t>rc</a:t>
             </a:r>
             <a:endParaRPr lang="en-US" dirty="0">
               <a:latin typeface="Courier New" pitchFamily="49" charset="0"/>
@@ -3697,8 +3704,8 @@
         </p:nvSpPr>
         <p:spPr>
           <a:xfrm>
-            <a:off x="5554317" y="3145373"/>
-            <a:ext cx="2476500" cy="1321543"/>
+            <a:off x="5554317" y="3145372"/>
+            <a:ext cx="2476500" cy="1561165"/>
           </a:xfrm>
           <a:prstGeom prst="rect">
             <a:avLst/>
@@ -3886,7 +3893,7 @@
         <p:spPr>
           <a:xfrm>
             <a:off x="5618919" y="3212283"/>
-            <a:ext cx="2114551" cy="1200329"/>
+            <a:ext cx="2114551" cy="1477328"/>
           </a:xfrm>
           <a:prstGeom prst="rect">
             <a:avLst/>
@@ -3900,12 +3907,28 @@
           <a:lstStyle/>
           <a:p>
             <a:r>
+              <a:rPr lang="en-US" dirty="0" err="1"/>
+              <a:t>k</a:t>
+            </a:r>
+            <a:r>
               <a:rPr lang="en-US" dirty="0" err="1" smtClean="0"/>
-              <a:t>Knitr</a:t>
+              <a:t>nitr</a:t>
             </a:r>
             <a:r>
               <a:rPr lang="en-US" dirty="0" smtClean="0"/>
-              <a:t> document, which will contain code for creating graphs, tables, etc.</a:t>
+              <a:t> </a:t>
+            </a:r>
+            <a:r>
+              <a:rPr lang="en-US" dirty="0" smtClean="0"/>
+              <a:t>document, which will contain code for </a:t>
+            </a:r>
+            <a:r>
+              <a:rPr lang="en-US" dirty="0" smtClean="0"/>
+              <a:t>creating publication-quality </a:t>
+            </a:r>
+            <a:r>
+              <a:rPr lang="en-US" dirty="0" smtClean="0"/>
+              <a:t>graphs, tables, etc.</a:t>
             </a:r>
             <a:endParaRPr lang="en-US" dirty="0"/>
           </a:p>
@@ -3965,7 +3988,7 @@
           <a:p>
             <a:r>
               <a:rPr lang="en-US" dirty="0" smtClean="0"/>
-              <a:t>reports</a:t>
+              <a:t>other</a:t>
             </a:r>
             <a:endParaRPr lang="en-US" dirty="0"/>
           </a:p>
@@ -3980,7 +4003,7 @@
         <p:spPr>
           <a:xfrm>
             <a:off x="5722039" y="5257800"/>
-            <a:ext cx="2114551" cy="369332"/>
+            <a:ext cx="2114551" cy="923330"/>
           </a:xfrm>
           <a:prstGeom prst="rect">
             <a:avLst/>
@@ -3995,7 +4018,7 @@
           <a:p>
             <a:r>
               <a:rPr lang="en-US" dirty="0" smtClean="0"/>
-              <a:t>Tables, etc.</a:t>
+              <a:t>Code/folders for tables, diagnostics, profiling, tests</a:t>
             </a:r>
             <a:endParaRPr lang="en-US" dirty="0"/>
           </a:p>
@@ -4143,6 +4166,37 @@
               </a:rPr>
               <a:t>C</a:t>
             </a:r>
+          </a:p>
+        </p:txBody>
+      </p:sp>
+      <p:sp>
+        <p:nvSpPr>
+          <p:cNvPr id="2" name="TextBox 1"/>
+          <p:cNvSpPr txBox="1"/>
+          <p:nvPr/>
+        </p:nvSpPr>
+        <p:spPr>
+          <a:xfrm>
+            <a:off x="990600" y="152400"/>
+            <a:ext cx="6474515" cy="461665"/>
+          </a:xfrm>
+          <a:prstGeom prst="rect">
+            <a:avLst/>
+          </a:prstGeom>
+          <a:noFill/>
+        </p:spPr>
+        <p:txBody>
+          <a:bodyPr wrap="square" rtlCol="0">
+            <a:spAutoFit/>
+          </a:bodyPr>
+          <a:lstStyle/>
+          <a:p>
+            <a:pPr algn="ctr"/>
+            <a:r>
+              <a:rPr lang="en-US" sz="2400" b="1" dirty="0" smtClean="0"/>
+              <a:t>File organization and workflow</a:t>
+            </a:r>
+            <a:endParaRPr lang="en-US" sz="2400" b="1" dirty="0"/>
           </a:p>
         </p:txBody>
       </p:sp>
